--- a/[MISC]/Slides/Project First Presentation[MID Term].pptx
+++ b/[MISC]/Slides/Project First Presentation[MID Term].pptx
@@ -269,7 +269,7 @@
           <a:p>
             <a:fld id="{9C7E8AC7-3664-4ACC-B7AE-115435EF861E}" type="datetimeFigureOut">
               <a:rPr lang="en-US" smtClean="0"/>
-              <a:t>1/25/2024</a:t>
+              <a:t>2/21/2024</a:t>
             </a:fld>
             <a:endParaRPr lang="en-US"/>
           </a:p>
@@ -835,7 +835,7 @@
           <a:p>
             <a:fld id="{46F26507-7290-43AF-8413-D61ABF697356}" type="datetimeFigureOut">
               <a:rPr lang="en-US" smtClean="0"/>
-              <a:t>1/25/2024</a:t>
+              <a:t>2/21/2024</a:t>
             </a:fld>
             <a:endParaRPr lang="en-US"/>
           </a:p>
@@ -1005,7 +1005,7 @@
           <a:p>
             <a:fld id="{46F26507-7290-43AF-8413-D61ABF697356}" type="datetimeFigureOut">
               <a:rPr lang="en-US" smtClean="0"/>
-              <a:t>1/25/2024</a:t>
+              <a:t>2/21/2024</a:t>
             </a:fld>
             <a:endParaRPr lang="en-US"/>
           </a:p>
@@ -1185,7 +1185,7 @@
           <a:p>
             <a:fld id="{46F26507-7290-43AF-8413-D61ABF697356}" type="datetimeFigureOut">
               <a:rPr lang="en-US" smtClean="0"/>
-              <a:t>1/25/2024</a:t>
+              <a:t>2/21/2024</a:t>
             </a:fld>
             <a:endParaRPr lang="en-US"/>
           </a:p>
@@ -1355,7 +1355,7 @@
           <a:p>
             <a:fld id="{46F26507-7290-43AF-8413-D61ABF697356}" type="datetimeFigureOut">
               <a:rPr lang="en-US" smtClean="0"/>
-              <a:t>1/25/2024</a:t>
+              <a:t>2/21/2024</a:t>
             </a:fld>
             <a:endParaRPr lang="en-US"/>
           </a:p>
@@ -1601,7 +1601,7 @@
           <a:p>
             <a:fld id="{46F26507-7290-43AF-8413-D61ABF697356}" type="datetimeFigureOut">
               <a:rPr lang="en-US" smtClean="0"/>
-              <a:t>1/25/2024</a:t>
+              <a:t>2/21/2024</a:t>
             </a:fld>
             <a:endParaRPr lang="en-US"/>
           </a:p>
@@ -1833,7 +1833,7 @@
           <a:p>
             <a:fld id="{46F26507-7290-43AF-8413-D61ABF697356}" type="datetimeFigureOut">
               <a:rPr lang="en-US" smtClean="0"/>
-              <a:t>1/25/2024</a:t>
+              <a:t>2/21/2024</a:t>
             </a:fld>
             <a:endParaRPr lang="en-US"/>
           </a:p>
@@ -2200,7 +2200,7 @@
           <a:p>
             <a:fld id="{46F26507-7290-43AF-8413-D61ABF697356}" type="datetimeFigureOut">
               <a:rPr lang="en-US" smtClean="0"/>
-              <a:t>1/25/2024</a:t>
+              <a:t>2/21/2024</a:t>
             </a:fld>
             <a:endParaRPr lang="en-US"/>
           </a:p>
@@ -2318,7 +2318,7 @@
           <a:p>
             <a:fld id="{46F26507-7290-43AF-8413-D61ABF697356}" type="datetimeFigureOut">
               <a:rPr lang="en-US" smtClean="0"/>
-              <a:t>1/25/2024</a:t>
+              <a:t>2/21/2024</a:t>
             </a:fld>
             <a:endParaRPr lang="en-US"/>
           </a:p>
@@ -2413,7 +2413,7 @@
           <a:p>
             <a:fld id="{46F26507-7290-43AF-8413-D61ABF697356}" type="datetimeFigureOut">
               <a:rPr lang="en-US" smtClean="0"/>
-              <a:t>1/25/2024</a:t>
+              <a:t>2/21/2024</a:t>
             </a:fld>
             <a:endParaRPr lang="en-US"/>
           </a:p>
@@ -2716,7 +2716,7 @@
           <a:p>
             <a:fld id="{46F26507-7290-43AF-8413-D61ABF697356}" type="datetimeFigureOut">
               <a:rPr lang="en-US" smtClean="0"/>
-              <a:t>1/25/2024</a:t>
+              <a:t>2/21/2024</a:t>
             </a:fld>
             <a:endParaRPr lang="en-US"/>
           </a:p>
@@ -2973,7 +2973,7 @@
           <a:p>
             <a:fld id="{46F26507-7290-43AF-8413-D61ABF697356}" type="datetimeFigureOut">
               <a:rPr lang="en-US" smtClean="0"/>
-              <a:t>1/25/2024</a:t>
+              <a:t>2/21/2024</a:t>
             </a:fld>
             <a:endParaRPr lang="en-US"/>
           </a:p>
@@ -3186,7 +3186,7 @@
           <a:p>
             <a:fld id="{46F26507-7290-43AF-8413-D61ABF697356}" type="datetimeFigureOut">
               <a:rPr lang="en-US" smtClean="0"/>
-              <a:t>1/25/2024</a:t>
+              <a:t>2/21/2024</a:t>
             </a:fld>
             <a:endParaRPr lang="en-US"/>
           </a:p>
@@ -4190,13 +4190,13 @@
   <p:clrMapOvr>
     <a:masterClrMapping/>
   </p:clrMapOvr>
-  <mc:AlternateContent xmlns:mc="http://schemas.openxmlformats.org/markup-compatibility/2006">
-    <mc:Choice xmlns:p159="http://schemas.microsoft.com/office/powerpoint/2015/09/main" Requires="p159">
+  <mc:AlternateContent xmlns:mc="http://schemas.openxmlformats.org/markup-compatibility/2006" xmlns:p159="http://schemas.microsoft.com/office/powerpoint/2015/09/main">
+    <mc:Choice Requires="p159">
       <p:transition xmlns:p14="http://schemas.microsoft.com/office/powerpoint/2010/main" spd="slow" p14:dur="1500">
         <p159:morph option="byObject"/>
       </p:transition>
     </mc:Choice>
-    <mc:Fallback>
+    <mc:Fallback xmlns="">
       <p:transition spd="slow">
         <p:fade/>
       </p:transition>
@@ -5928,13 +5928,13 @@
   <p:clrMapOvr>
     <a:masterClrMapping/>
   </p:clrMapOvr>
-  <mc:AlternateContent xmlns:mc="http://schemas.openxmlformats.org/markup-compatibility/2006">
-    <mc:Choice xmlns:p159="http://schemas.microsoft.com/office/powerpoint/2015/09/main" Requires="p159">
+  <mc:AlternateContent xmlns:mc="http://schemas.openxmlformats.org/markup-compatibility/2006" xmlns:p159="http://schemas.microsoft.com/office/powerpoint/2015/09/main">
+    <mc:Choice Requires="p159">
       <p:transition xmlns:p14="http://schemas.microsoft.com/office/powerpoint/2010/main" spd="slow" p14:dur="1500">
         <p159:morph option="byObject"/>
       </p:transition>
     </mc:Choice>
-    <mc:Fallback>
+    <mc:Fallback xmlns="">
       <p:transition spd="slow">
         <p:fade/>
       </p:transition>
@@ -8592,13 +8592,13 @@
   <p:clrMapOvr>
     <a:masterClrMapping/>
   </p:clrMapOvr>
-  <mc:AlternateContent xmlns:mc="http://schemas.openxmlformats.org/markup-compatibility/2006" xmlns:p159="http://schemas.microsoft.com/office/powerpoint/2015/09/main">
-    <mc:Choice Requires="p159">
-      <p:transition xmlns:p14="http://schemas.microsoft.com/office/powerpoint/2010/main" spd="slow" p14:dur="1500">
+  <mc:AlternateContent xmlns:mc="http://schemas.openxmlformats.org/markup-compatibility/2006">
+    <mc:Choice xmlns:p159="http://schemas.microsoft.com/office/powerpoint/2015/09/main" Requires="p159">
+      <p:transition xmlns:p14="http://schemas.microsoft.com/office/powerpoint/2010/main" spd="slow" p14:dur="1250">
         <p159:morph option="byObject"/>
       </p:transition>
     </mc:Choice>
-    <mc:Fallback xmlns="">
+    <mc:Fallback>
       <p:transition spd="slow">
         <p:fade/>
       </p:transition>
@@ -9383,13 +9383,13 @@
   <p:clrMapOvr>
     <a:masterClrMapping/>
   </p:clrMapOvr>
-  <mc:AlternateContent xmlns:mc="http://schemas.openxmlformats.org/markup-compatibility/2006" xmlns:p159="http://schemas.microsoft.com/office/powerpoint/2015/09/main">
-    <mc:Choice Requires="p159">
-      <p:transition xmlns:p14="http://schemas.microsoft.com/office/powerpoint/2010/main" spd="slow" p14:dur="1500">
+  <mc:AlternateContent xmlns:mc="http://schemas.openxmlformats.org/markup-compatibility/2006">
+    <mc:Choice xmlns:p159="http://schemas.microsoft.com/office/powerpoint/2015/09/main" Requires="p159">
+      <p:transition xmlns:p14="http://schemas.microsoft.com/office/powerpoint/2010/main" spd="slow" p14:dur="1250">
         <p159:morph option="byObject"/>
       </p:transition>
     </mc:Choice>
-    <mc:Fallback xmlns="">
+    <mc:Fallback>
       <p:transition spd="slow">
         <p:fade/>
       </p:transition>
@@ -10069,13 +10069,13 @@
   <p:clrMapOvr>
     <a:masterClrMapping/>
   </p:clrMapOvr>
-  <mc:AlternateContent xmlns:mc="http://schemas.openxmlformats.org/markup-compatibility/2006" xmlns:p159="http://schemas.microsoft.com/office/powerpoint/2015/09/main">
-    <mc:Choice Requires="p159">
-      <p:transition xmlns:p14="http://schemas.microsoft.com/office/powerpoint/2010/main" spd="slow" p14:dur="1500">
+  <mc:AlternateContent xmlns:mc="http://schemas.openxmlformats.org/markup-compatibility/2006">
+    <mc:Choice xmlns:p159="http://schemas.microsoft.com/office/powerpoint/2015/09/main" Requires="p159">
+      <p:transition xmlns:p14="http://schemas.microsoft.com/office/powerpoint/2010/main" spd="slow" p14:dur="1250">
         <p159:morph option="byObject"/>
       </p:transition>
     </mc:Choice>
-    <mc:Fallback xmlns="">
+    <mc:Fallback>
       <p:transition spd="slow">
         <p:fade/>
       </p:transition>
@@ -10729,13 +10729,13 @@
   <p:clrMapOvr>
     <a:masterClrMapping/>
   </p:clrMapOvr>
-  <mc:AlternateContent xmlns:mc="http://schemas.openxmlformats.org/markup-compatibility/2006" xmlns:p159="http://schemas.microsoft.com/office/powerpoint/2015/09/main">
-    <mc:Choice Requires="p159">
-      <p:transition xmlns:p14="http://schemas.microsoft.com/office/powerpoint/2010/main" spd="slow" p14:dur="1500">
+  <mc:AlternateContent xmlns:mc="http://schemas.openxmlformats.org/markup-compatibility/2006">
+    <mc:Choice xmlns:p159="http://schemas.microsoft.com/office/powerpoint/2015/09/main" Requires="p159">
+      <p:transition xmlns:p14="http://schemas.microsoft.com/office/powerpoint/2010/main" spd="slow" p14:dur="1250">
         <p159:morph option="byObject"/>
       </p:transition>
     </mc:Choice>
-    <mc:Fallback xmlns="">
+    <mc:Fallback>
       <p:transition spd="slow">
         <p:fade/>
       </p:transition>
@@ -11248,13 +11248,13 @@
   <p:clrMapOvr>
     <a:masterClrMapping/>
   </p:clrMapOvr>
-  <mc:AlternateContent xmlns:mc="http://schemas.openxmlformats.org/markup-compatibility/2006" xmlns:p159="http://schemas.microsoft.com/office/powerpoint/2015/09/main">
-    <mc:Choice Requires="p159">
-      <p:transition xmlns:p14="http://schemas.microsoft.com/office/powerpoint/2010/main" spd="slow" p14:dur="1500">
+  <mc:AlternateContent xmlns:mc="http://schemas.openxmlformats.org/markup-compatibility/2006">
+    <mc:Choice xmlns:p159="http://schemas.microsoft.com/office/powerpoint/2015/09/main" Requires="p159">
+      <p:transition xmlns:p14="http://schemas.microsoft.com/office/powerpoint/2010/main" spd="slow" p14:dur="1250">
         <p159:morph option="byObject"/>
       </p:transition>
     </mc:Choice>
-    <mc:Fallback xmlns="">
+    <mc:Fallback>
       <p:transition spd="slow">
         <p:fade/>
       </p:transition>
@@ -12095,13 +12095,13 @@
   <p:clrMapOvr>
     <a:masterClrMapping/>
   </p:clrMapOvr>
-  <mc:AlternateContent xmlns:mc="http://schemas.openxmlformats.org/markup-compatibility/2006">
-    <mc:Choice xmlns:p159="http://schemas.microsoft.com/office/powerpoint/2015/09/main" Requires="p159">
+  <mc:AlternateContent xmlns:mc="http://schemas.openxmlformats.org/markup-compatibility/2006" xmlns:p159="http://schemas.microsoft.com/office/powerpoint/2015/09/main">
+    <mc:Choice Requires="p159">
       <p:transition xmlns:p14="http://schemas.microsoft.com/office/powerpoint/2010/main" spd="slow" p14:dur="1500">
         <p159:morph option="byObject"/>
       </p:transition>
     </mc:Choice>
-    <mc:Fallback>
+    <mc:Fallback xmlns="">
       <p:transition spd="slow">
         <p:fade/>
       </p:transition>
@@ -12438,13 +12438,13 @@
   <p:clrMapOvr>
     <a:masterClrMapping/>
   </p:clrMapOvr>
-  <mc:AlternateContent xmlns:mc="http://schemas.openxmlformats.org/markup-compatibility/2006" xmlns:p159="http://schemas.microsoft.com/office/powerpoint/2015/09/main">
-    <mc:Choice Requires="p159">
-      <p:transition xmlns:p14="http://schemas.microsoft.com/office/powerpoint/2010/main" spd="slow" p14:dur="1500">
+  <mc:AlternateContent xmlns:mc="http://schemas.openxmlformats.org/markup-compatibility/2006">
+    <mc:Choice xmlns:p159="http://schemas.microsoft.com/office/powerpoint/2015/09/main" Requires="p159">
+      <p:transition xmlns:p14="http://schemas.microsoft.com/office/powerpoint/2010/main" spd="slow" p14:dur="1250">
         <p159:morph option="byObject"/>
       </p:transition>
     </mc:Choice>
-    <mc:Fallback xmlns="">
+    <mc:Fallback>
       <p:transition spd="slow">
         <p:fade/>
       </p:transition>
@@ -13932,13 +13932,13 @@
   <p:clrMapOvr>
     <a:masterClrMapping/>
   </p:clrMapOvr>
-  <mc:AlternateContent xmlns:mc="http://schemas.openxmlformats.org/markup-compatibility/2006" xmlns:p159="http://schemas.microsoft.com/office/powerpoint/2015/09/main">
-    <mc:Choice Requires="p159">
-      <p:transition xmlns:p14="http://schemas.microsoft.com/office/powerpoint/2010/main" spd="slow" p14:dur="1500">
+  <mc:AlternateContent xmlns:mc="http://schemas.openxmlformats.org/markup-compatibility/2006">
+    <mc:Choice xmlns:p159="http://schemas.microsoft.com/office/powerpoint/2015/09/main" Requires="p159">
+      <p:transition xmlns:p14="http://schemas.microsoft.com/office/powerpoint/2010/main" spd="slow" p14:dur="1250">
         <p159:morph option="byObject"/>
       </p:transition>
     </mc:Choice>
-    <mc:Fallback xmlns="">
+    <mc:Fallback>
       <p:transition spd="slow">
         <p:fade/>
       </p:transition>
@@ -14709,13 +14709,13 @@
   <p:clrMapOvr>
     <a:masterClrMapping/>
   </p:clrMapOvr>
-  <mc:AlternateContent xmlns:mc="http://schemas.openxmlformats.org/markup-compatibility/2006" xmlns:p159="http://schemas.microsoft.com/office/powerpoint/2015/09/main">
-    <mc:Choice Requires="p159">
-      <p:transition xmlns:p14="http://schemas.microsoft.com/office/powerpoint/2010/main" spd="slow" p14:dur="1500">
+  <mc:AlternateContent xmlns:mc="http://schemas.openxmlformats.org/markup-compatibility/2006">
+    <mc:Choice xmlns:p159="http://schemas.microsoft.com/office/powerpoint/2015/09/main" Requires="p159">
+      <p:transition xmlns:p14="http://schemas.microsoft.com/office/powerpoint/2010/main" spd="slow" p14:dur="1250">
         <p159:morph option="byObject"/>
       </p:transition>
     </mc:Choice>
-    <mc:Fallback xmlns="">
+    <mc:Fallback>
       <p:transition spd="slow">
         <p:fade/>
       </p:transition>
@@ -15355,13 +15355,13 @@
   <p:clrMapOvr>
     <a:masterClrMapping/>
   </p:clrMapOvr>
-  <mc:AlternateContent xmlns:mc="http://schemas.openxmlformats.org/markup-compatibility/2006" xmlns:p159="http://schemas.microsoft.com/office/powerpoint/2015/09/main">
-    <mc:Choice Requires="p159">
-      <p:transition xmlns:p14="http://schemas.microsoft.com/office/powerpoint/2010/main" spd="slow" p14:dur="1500">
+  <mc:AlternateContent xmlns:mc="http://schemas.openxmlformats.org/markup-compatibility/2006">
+    <mc:Choice xmlns:p159="http://schemas.microsoft.com/office/powerpoint/2015/09/main" Requires="p159">
+      <p:transition xmlns:p14="http://schemas.microsoft.com/office/powerpoint/2010/main" spd="slow" p14:dur="1250">
         <p159:morph option="byObject"/>
       </p:transition>
     </mc:Choice>
-    <mc:Fallback xmlns="">
+    <mc:Fallback>
       <p:transition spd="slow">
         <p:fade/>
       </p:transition>
@@ -16044,13 +16044,13 @@
   <p:clrMapOvr>
     <a:masterClrMapping/>
   </p:clrMapOvr>
-  <mc:AlternateContent xmlns:mc="http://schemas.openxmlformats.org/markup-compatibility/2006" xmlns:p159="http://schemas.microsoft.com/office/powerpoint/2015/09/main">
-    <mc:Choice Requires="p159">
-      <p:transition xmlns:p14="http://schemas.microsoft.com/office/powerpoint/2010/main" spd="slow" p14:dur="1500">
+  <mc:AlternateContent xmlns:mc="http://schemas.openxmlformats.org/markup-compatibility/2006">
+    <mc:Choice xmlns:p159="http://schemas.microsoft.com/office/powerpoint/2015/09/main" Requires="p159">
+      <p:transition xmlns:p14="http://schemas.microsoft.com/office/powerpoint/2010/main" spd="slow" p14:dur="1250">
         <p159:morph option="byObject"/>
       </p:transition>
     </mc:Choice>
-    <mc:Fallback xmlns="">
+    <mc:Fallback>
       <p:transition spd="slow">
         <p:fade/>
       </p:transition>
@@ -16732,13 +16732,13 @@
   <p:clrMapOvr>
     <a:masterClrMapping/>
   </p:clrMapOvr>
-  <mc:AlternateContent xmlns:mc="http://schemas.openxmlformats.org/markup-compatibility/2006" xmlns:p159="http://schemas.microsoft.com/office/powerpoint/2015/09/main">
-    <mc:Choice Requires="p159">
-      <p:transition xmlns:p14="http://schemas.microsoft.com/office/powerpoint/2010/main" spd="slow" p14:dur="1500">
+  <mc:AlternateContent xmlns:mc="http://schemas.openxmlformats.org/markup-compatibility/2006">
+    <mc:Choice xmlns:p159="http://schemas.microsoft.com/office/powerpoint/2015/09/main" Requires="p159">
+      <p:transition xmlns:p14="http://schemas.microsoft.com/office/powerpoint/2010/main" spd="slow" p14:dur="1250">
         <p159:morph option="byObject"/>
       </p:transition>
     </mc:Choice>
-    <mc:Fallback xmlns="">
+    <mc:Fallback>
       <p:transition spd="slow">
         <p:fade/>
       </p:transition>
@@ -17458,13 +17458,13 @@
   <p:clrMapOvr>
     <a:masterClrMapping/>
   </p:clrMapOvr>
-  <mc:AlternateContent xmlns:mc="http://schemas.openxmlformats.org/markup-compatibility/2006" xmlns:p159="http://schemas.microsoft.com/office/powerpoint/2015/09/main">
-    <mc:Choice Requires="p159">
-      <p:transition xmlns:p14="http://schemas.microsoft.com/office/powerpoint/2010/main" spd="slow" p14:dur="1500">
+  <mc:AlternateContent xmlns:mc="http://schemas.openxmlformats.org/markup-compatibility/2006">
+    <mc:Choice xmlns:p159="http://schemas.microsoft.com/office/powerpoint/2015/09/main" Requires="p159">
+      <p:transition xmlns:p14="http://schemas.microsoft.com/office/powerpoint/2010/main" spd="slow" p14:dur="1250">
         <p159:morph option="byObject"/>
       </p:transition>
     </mc:Choice>
-    <mc:Fallback xmlns="">
+    <mc:Fallback>
       <p:transition spd="slow">
         <p:fade/>
       </p:transition>
@@ -18296,13 +18296,13 @@
   <p:clrMapOvr>
     <a:masterClrMapping/>
   </p:clrMapOvr>
-  <mc:AlternateContent xmlns:mc="http://schemas.openxmlformats.org/markup-compatibility/2006" xmlns:p159="http://schemas.microsoft.com/office/powerpoint/2015/09/main">
-    <mc:Choice Requires="p159">
-      <p:transition xmlns:p14="http://schemas.microsoft.com/office/powerpoint/2010/main" spd="slow" p14:dur="1500">
+  <mc:AlternateContent xmlns:mc="http://schemas.openxmlformats.org/markup-compatibility/2006">
+    <mc:Choice xmlns:p159="http://schemas.microsoft.com/office/powerpoint/2015/09/main" Requires="p159">
+      <p:transition xmlns:p14="http://schemas.microsoft.com/office/powerpoint/2010/main" spd="slow" p14:dur="1250">
         <p159:morph option="byObject"/>
       </p:transition>
     </mc:Choice>
-    <mc:Fallback xmlns="">
+    <mc:Fallback>
       <p:transition spd="slow">
         <p:fade/>
       </p:transition>
@@ -19134,13 +19134,13 @@
   <p:clrMapOvr>
     <a:masterClrMapping/>
   </p:clrMapOvr>
-  <mc:AlternateContent xmlns:mc="http://schemas.openxmlformats.org/markup-compatibility/2006" xmlns:p159="http://schemas.microsoft.com/office/powerpoint/2015/09/main">
-    <mc:Choice Requires="p159">
-      <p:transition xmlns:p14="http://schemas.microsoft.com/office/powerpoint/2010/main" spd="slow" p14:dur="1500">
+  <mc:AlternateContent xmlns:mc="http://schemas.openxmlformats.org/markup-compatibility/2006">
+    <mc:Choice xmlns:p159="http://schemas.microsoft.com/office/powerpoint/2015/09/main" Requires="p159">
+      <p:transition xmlns:p14="http://schemas.microsoft.com/office/powerpoint/2010/main" spd="slow" p14:dur="1250">
         <p159:morph option="byObject"/>
       </p:transition>
     </mc:Choice>
-    <mc:Fallback xmlns="">
+    <mc:Fallback>
       <p:transition spd="slow">
         <p:fade/>
       </p:transition>
@@ -19618,13 +19618,13 @@
   <p:clrMapOvr>
     <a:masterClrMapping/>
   </p:clrMapOvr>
-  <mc:AlternateContent xmlns:mc="http://schemas.openxmlformats.org/markup-compatibility/2006">
-    <mc:Choice xmlns:p159="http://schemas.microsoft.com/office/powerpoint/2015/09/main" Requires="p159">
+  <mc:AlternateContent xmlns:mc="http://schemas.openxmlformats.org/markup-compatibility/2006" xmlns:p159="http://schemas.microsoft.com/office/powerpoint/2015/09/main">
+    <mc:Choice Requires="p159">
       <p:transition xmlns:p14="http://schemas.microsoft.com/office/powerpoint/2010/main" spd="slow" p14:dur="1500">
         <p159:morph option="byObject"/>
       </p:transition>
     </mc:Choice>
-    <mc:Fallback>
+    <mc:Fallback xmlns="">
       <p:transition spd="slow">
         <p:fade/>
       </p:transition>
@@ -20399,13 +20399,13 @@
   <p:clrMapOvr>
     <a:masterClrMapping/>
   </p:clrMapOvr>
-  <mc:AlternateContent xmlns:mc="http://schemas.openxmlformats.org/markup-compatibility/2006" xmlns:p159="http://schemas.microsoft.com/office/powerpoint/2015/09/main">
-    <mc:Choice Requires="p159">
-      <p:transition xmlns:p14="http://schemas.microsoft.com/office/powerpoint/2010/main" spd="slow" p14:dur="1500">
+  <mc:AlternateContent xmlns:mc="http://schemas.openxmlformats.org/markup-compatibility/2006">
+    <mc:Choice xmlns:p159="http://schemas.microsoft.com/office/powerpoint/2015/09/main" Requires="p159">
+      <p:transition xmlns:p14="http://schemas.microsoft.com/office/powerpoint/2010/main" spd="slow" p14:dur="1250">
         <p159:morph option="byObject"/>
       </p:transition>
     </mc:Choice>
-    <mc:Fallback xmlns="">
+    <mc:Fallback>
       <p:transition spd="slow">
         <p:fade/>
       </p:transition>
@@ -21210,13 +21210,13 @@
   <p:clrMapOvr>
     <a:masterClrMapping/>
   </p:clrMapOvr>
-  <mc:AlternateContent xmlns:mc="http://schemas.openxmlformats.org/markup-compatibility/2006" xmlns:p159="http://schemas.microsoft.com/office/powerpoint/2015/09/main">
-    <mc:Choice Requires="p159">
-      <p:transition xmlns:p14="http://schemas.microsoft.com/office/powerpoint/2010/main" spd="slow" p14:dur="1500">
+  <mc:AlternateContent xmlns:mc="http://schemas.openxmlformats.org/markup-compatibility/2006">
+    <mc:Choice xmlns:p159="http://schemas.microsoft.com/office/powerpoint/2015/09/main" Requires="p159">
+      <p:transition xmlns:p14="http://schemas.microsoft.com/office/powerpoint/2010/main" spd="slow" p14:dur="1250">
         <p159:morph option="byObject"/>
       </p:transition>
     </mc:Choice>
-    <mc:Fallback xmlns="">
+    <mc:Fallback>
       <p:transition spd="slow">
         <p:fade/>
       </p:transition>
@@ -22041,13 +22041,13 @@
   <p:clrMapOvr>
     <a:masterClrMapping/>
   </p:clrMapOvr>
-  <mc:AlternateContent xmlns:mc="http://schemas.openxmlformats.org/markup-compatibility/2006" xmlns:p159="http://schemas.microsoft.com/office/powerpoint/2015/09/main">
-    <mc:Choice Requires="p159">
-      <p:transition xmlns:p14="http://schemas.microsoft.com/office/powerpoint/2010/main" spd="slow" p14:dur="1500">
+  <mc:AlternateContent xmlns:mc="http://schemas.openxmlformats.org/markup-compatibility/2006">
+    <mc:Choice xmlns:p159="http://schemas.microsoft.com/office/powerpoint/2015/09/main" Requires="p159">
+      <p:transition xmlns:p14="http://schemas.microsoft.com/office/powerpoint/2010/main" spd="slow" p14:dur="1250">
         <p159:morph option="byObject"/>
       </p:transition>
     </mc:Choice>
-    <mc:Fallback xmlns="">
+    <mc:Fallback>
       <p:transition spd="slow">
         <p:fade/>
       </p:transition>
@@ -22531,13 +22531,13 @@
   <p:clrMapOvr>
     <a:masterClrMapping/>
   </p:clrMapOvr>
-  <mc:AlternateContent xmlns:mc="http://schemas.openxmlformats.org/markup-compatibility/2006" xmlns:p159="http://schemas.microsoft.com/office/powerpoint/2015/09/main">
-    <mc:Choice Requires="p159">
-      <p:transition xmlns:p14="http://schemas.microsoft.com/office/powerpoint/2010/main" spd="slow" p14:dur="1500">
+  <mc:AlternateContent xmlns:mc="http://schemas.openxmlformats.org/markup-compatibility/2006">
+    <mc:Choice xmlns:p159="http://schemas.microsoft.com/office/powerpoint/2015/09/main" Requires="p159">
+      <p:transition xmlns:p14="http://schemas.microsoft.com/office/powerpoint/2010/main" spd="slow" p14:dur="1250">
         <p159:morph option="byObject"/>
       </p:transition>
     </mc:Choice>
-    <mc:Fallback xmlns="">
+    <mc:Fallback>
       <p:transition spd="slow">
         <p:fade/>
       </p:transition>
@@ -23076,13 +23076,13 @@
   <p:clrMapOvr>
     <a:masterClrMapping/>
   </p:clrMapOvr>
-  <mc:AlternateContent xmlns:mc="http://schemas.openxmlformats.org/markup-compatibility/2006" xmlns:p159="http://schemas.microsoft.com/office/powerpoint/2015/09/main">
-    <mc:Choice Requires="p159">
-      <p:transition xmlns:p14="http://schemas.microsoft.com/office/powerpoint/2010/main" spd="slow" p14:dur="1500">
+  <mc:AlternateContent xmlns:mc="http://schemas.openxmlformats.org/markup-compatibility/2006">
+    <mc:Choice xmlns:p159="http://schemas.microsoft.com/office/powerpoint/2015/09/main" Requires="p159">
+      <p:transition xmlns:p14="http://schemas.microsoft.com/office/powerpoint/2010/main" spd="slow" p14:dur="1250">
         <p159:morph option="byObject"/>
       </p:transition>
     </mc:Choice>
-    <mc:Fallback xmlns="">
+    <mc:Fallback>
       <p:transition spd="slow">
         <p:fade/>
       </p:transition>
@@ -23596,13 +23596,13 @@
   <p:clrMapOvr>
     <a:masterClrMapping/>
   </p:clrMapOvr>
-  <mc:AlternateContent xmlns:mc="http://schemas.openxmlformats.org/markup-compatibility/2006" xmlns:p159="http://schemas.microsoft.com/office/powerpoint/2015/09/main">
-    <mc:Choice Requires="p159">
-      <p:transition xmlns:p14="http://schemas.microsoft.com/office/powerpoint/2010/main" spd="slow" p14:dur="1500">
+  <mc:AlternateContent xmlns:mc="http://schemas.openxmlformats.org/markup-compatibility/2006">
+    <mc:Choice xmlns:p159="http://schemas.microsoft.com/office/powerpoint/2015/09/main" Requires="p159">
+      <p:transition xmlns:p14="http://schemas.microsoft.com/office/powerpoint/2010/main" spd="slow" p14:dur="1250">
         <p159:morph option="byObject"/>
       </p:transition>
     </mc:Choice>
-    <mc:Fallback xmlns="">
+    <mc:Fallback>
       <p:transition spd="slow">
         <p:fade/>
       </p:transition>
@@ -23689,7 +23689,7 @@
   </p:clrMapOvr>
   <mc:AlternateContent xmlns:mc="http://schemas.openxmlformats.org/markup-compatibility/2006">
     <mc:Choice xmlns:p159="http://schemas.microsoft.com/office/powerpoint/2015/09/main" Requires="p159">
-      <p:transition xmlns:p14="http://schemas.microsoft.com/office/powerpoint/2010/main" spd="slow" p14:dur="1500">
+      <p:transition xmlns:p14="http://schemas.microsoft.com/office/powerpoint/2010/main" spd="slow" p14:dur="1250">
         <p159:morph option="byObject"/>
       </p:transition>
     </mc:Choice>
@@ -23890,7 +23890,7 @@
   </p:clrMapOvr>
   <mc:AlternateContent xmlns:mc="http://schemas.openxmlformats.org/markup-compatibility/2006">
     <mc:Choice xmlns:p159="http://schemas.microsoft.com/office/powerpoint/2015/09/main" Requires="p159">
-      <p:transition xmlns:p14="http://schemas.microsoft.com/office/powerpoint/2010/main" spd="slow" p14:dur="1500">
+      <p:transition xmlns:p14="http://schemas.microsoft.com/office/powerpoint/2010/main" spd="slow" p14:dur="1250">
         <p159:morph option="byObject"/>
       </p:transition>
     </mc:Choice>
@@ -24427,7 +24427,7 @@
   </p:clrMapOvr>
   <mc:AlternateContent xmlns:mc="http://schemas.openxmlformats.org/markup-compatibility/2006">
     <mc:Choice xmlns:p159="http://schemas.microsoft.com/office/powerpoint/2015/09/main" Requires="p159">
-      <p:transition xmlns:p14="http://schemas.microsoft.com/office/powerpoint/2010/main" spd="slow" p14:dur="1500">
+      <p:transition xmlns:p14="http://schemas.microsoft.com/office/powerpoint/2010/main" spd="slow" p14:dur="1250">
         <p159:morph option="byObject"/>
       </p:transition>
     </mc:Choice>
@@ -24969,13 +24969,13 @@
   <p:clrMapOvr>
     <a:masterClrMapping/>
   </p:clrMapOvr>
-  <mc:AlternateContent xmlns:mc="http://schemas.openxmlformats.org/markup-compatibility/2006">
-    <mc:Choice xmlns:p159="http://schemas.microsoft.com/office/powerpoint/2015/09/main" Requires="p159">
+  <mc:AlternateContent xmlns:mc="http://schemas.openxmlformats.org/markup-compatibility/2006" xmlns:p159="http://schemas.microsoft.com/office/powerpoint/2015/09/main">
+    <mc:Choice Requires="p159">
       <p:transition xmlns:p14="http://schemas.microsoft.com/office/powerpoint/2010/main" spd="slow" p14:dur="1500">
         <p159:morph option="byObject"/>
       </p:transition>
     </mc:Choice>
-    <mc:Fallback>
+    <mc:Fallback xmlns="">
       <p:transition spd="slow">
         <p:fade/>
       </p:transition>
@@ -25457,7 +25457,7 @@
   </p:clrMapOvr>
   <mc:AlternateContent xmlns:mc="http://schemas.openxmlformats.org/markup-compatibility/2006">
     <mc:Choice xmlns:p159="http://schemas.microsoft.com/office/powerpoint/2015/09/main" Requires="p159">
-      <p:transition xmlns:p14="http://schemas.microsoft.com/office/powerpoint/2010/main" spd="slow" p14:dur="1500">
+      <p:transition xmlns:p14="http://schemas.microsoft.com/office/powerpoint/2010/main" spd="slow" p14:dur="1250">
         <p159:morph option="byObject"/>
       </p:transition>
     </mc:Choice>
@@ -26172,7 +26172,7 @@
   </p:clrMapOvr>
   <mc:AlternateContent xmlns:mc="http://schemas.openxmlformats.org/markup-compatibility/2006">
     <mc:Choice xmlns:p159="http://schemas.microsoft.com/office/powerpoint/2015/09/main" Requires="p159">
-      <p:transition xmlns:p14="http://schemas.microsoft.com/office/powerpoint/2010/main" spd="slow" p14:dur="1500">
+      <p:transition xmlns:p14="http://schemas.microsoft.com/office/powerpoint/2010/main" spd="slow" p14:dur="1250">
         <p159:morph option="byObject"/>
       </p:transition>
     </mc:Choice>
@@ -26961,13 +26961,13 @@
   <p:clrMapOvr>
     <a:masterClrMapping/>
   </p:clrMapOvr>
-  <mc:AlternateContent xmlns:mc="http://schemas.openxmlformats.org/markup-compatibility/2006">
-    <mc:Choice xmlns:p159="http://schemas.microsoft.com/office/powerpoint/2015/09/main" Requires="p159">
+  <mc:AlternateContent xmlns:mc="http://schemas.openxmlformats.org/markup-compatibility/2006" xmlns:p159="http://schemas.microsoft.com/office/powerpoint/2015/09/main">
+    <mc:Choice Requires="p159">
       <p:transition xmlns:p14="http://schemas.microsoft.com/office/powerpoint/2010/main" spd="slow" p14:dur="1500">
         <p159:morph option="byObject"/>
       </p:transition>
     </mc:Choice>
-    <mc:Fallback>
+    <mc:Fallback xmlns="">
       <p:transition spd="slow">
         <p:fade/>
       </p:transition>
@@ -27392,13 +27392,13 @@
   <p:clrMapOvr>
     <a:masterClrMapping/>
   </p:clrMapOvr>
-  <mc:AlternateContent xmlns:mc="http://schemas.openxmlformats.org/markup-compatibility/2006">
-    <mc:Choice xmlns:p159="http://schemas.microsoft.com/office/powerpoint/2015/09/main" Requires="p159">
+  <mc:AlternateContent xmlns:mc="http://schemas.openxmlformats.org/markup-compatibility/2006" xmlns:p159="http://schemas.microsoft.com/office/powerpoint/2015/09/main">
+    <mc:Choice Requires="p159">
       <p:transition xmlns:p14="http://schemas.microsoft.com/office/powerpoint/2010/main" spd="slow" p14:dur="1500">
         <p159:morph option="byObject"/>
       </p:transition>
     </mc:Choice>
-    <mc:Fallback>
+    <mc:Fallback xmlns="">
       <p:transition spd="slow">
         <p:fade/>
       </p:transition>
@@ -27594,13 +27594,13 @@
   <p:clrMapOvr>
     <a:masterClrMapping/>
   </p:clrMapOvr>
-  <mc:AlternateContent xmlns:mc="http://schemas.openxmlformats.org/markup-compatibility/2006">
-    <mc:Choice xmlns:p159="http://schemas.microsoft.com/office/powerpoint/2015/09/main" Requires="p159">
+  <mc:AlternateContent xmlns:mc="http://schemas.openxmlformats.org/markup-compatibility/2006" xmlns:p159="http://schemas.microsoft.com/office/powerpoint/2015/09/main">
+    <mc:Choice Requires="p159">
       <p:transition xmlns:p14="http://schemas.microsoft.com/office/powerpoint/2010/main" spd="slow" p14:dur="1500">
         <p159:morph option="byObject"/>
       </p:transition>
     </mc:Choice>
-    <mc:Fallback>
+    <mc:Fallback xmlns="">
       <p:transition spd="slow">
         <p:fade/>
       </p:transition>
@@ -30169,13 +30169,13 @@
   <p:clrMapOvr>
     <a:masterClrMapping/>
   </p:clrMapOvr>
-  <mc:AlternateContent xmlns:mc="http://schemas.openxmlformats.org/markup-compatibility/2006">
-    <mc:Choice xmlns:p159="http://schemas.microsoft.com/office/powerpoint/2015/09/main" Requires="p159">
+  <mc:AlternateContent xmlns:mc="http://schemas.openxmlformats.org/markup-compatibility/2006" xmlns:p159="http://schemas.microsoft.com/office/powerpoint/2015/09/main">
+    <mc:Choice Requires="p159">
       <p:transition xmlns:p14="http://schemas.microsoft.com/office/powerpoint/2010/main" spd="slow" p14:dur="1500">
         <p159:morph option="byObject"/>
       </p:transition>
     </mc:Choice>
-    <mc:Fallback>
+    <mc:Fallback xmlns="">
       <p:transition spd="slow">
         <p:fade/>
       </p:transition>
@@ -30607,13 +30607,13 @@
   <p:clrMapOvr>
     <a:masterClrMapping/>
   </p:clrMapOvr>
-  <mc:AlternateContent xmlns:mc="http://schemas.openxmlformats.org/markup-compatibility/2006">
-    <mc:Choice xmlns:p159="http://schemas.microsoft.com/office/powerpoint/2015/09/main" Requires="p159">
+  <mc:AlternateContent xmlns:mc="http://schemas.openxmlformats.org/markup-compatibility/2006" xmlns:p159="http://schemas.microsoft.com/office/powerpoint/2015/09/main">
+    <mc:Choice Requires="p159">
       <p:transition xmlns:p14="http://schemas.microsoft.com/office/powerpoint/2010/main" spd="slow" p14:dur="1500">
         <p159:morph option="byObject"/>
       </p:transition>
     </mc:Choice>
-    <mc:Fallback>
+    <mc:Fallback xmlns="">
       <p:transition spd="slow">
         <p:fade/>
       </p:transition>
